--- a/NCSL PHX2019/Cervas_NCSL.pptx
+++ b/NCSL PHX2019/Cervas_NCSL.pptx
@@ -11,24 +11,25 @@
     <p:sldId id="268" r:id="rId5"/>
     <p:sldId id="269" r:id="rId6"/>
     <p:sldId id="256" r:id="rId7"/>
-    <p:sldId id="271" r:id="rId8"/>
-    <p:sldId id="272" r:id="rId9"/>
-    <p:sldId id="273" r:id="rId10"/>
-    <p:sldId id="274" r:id="rId11"/>
-    <p:sldId id="270" r:id="rId12"/>
-    <p:sldId id="257" r:id="rId13"/>
-    <p:sldId id="259" r:id="rId14"/>
-    <p:sldId id="260" r:id="rId15"/>
-    <p:sldId id="261" r:id="rId16"/>
-    <p:sldId id="263" r:id="rId17"/>
-    <p:sldId id="264" r:id="rId18"/>
-    <p:sldId id="278" r:id="rId19"/>
-    <p:sldId id="279" r:id="rId20"/>
-    <p:sldId id="280" r:id="rId21"/>
-    <p:sldId id="277" r:id="rId22"/>
-    <p:sldId id="276" r:id="rId23"/>
-    <p:sldId id="258" r:id="rId24"/>
-    <p:sldId id="262" r:id="rId25"/>
+    <p:sldId id="281" r:id="rId8"/>
+    <p:sldId id="271" r:id="rId9"/>
+    <p:sldId id="272" r:id="rId10"/>
+    <p:sldId id="273" r:id="rId11"/>
+    <p:sldId id="274" r:id="rId12"/>
+    <p:sldId id="270" r:id="rId13"/>
+    <p:sldId id="257" r:id="rId14"/>
+    <p:sldId id="259" r:id="rId15"/>
+    <p:sldId id="260" r:id="rId16"/>
+    <p:sldId id="261" r:id="rId17"/>
+    <p:sldId id="263" r:id="rId18"/>
+    <p:sldId id="264" r:id="rId19"/>
+    <p:sldId id="278" r:id="rId20"/>
+    <p:sldId id="279" r:id="rId21"/>
+    <p:sldId id="280" r:id="rId22"/>
+    <p:sldId id="277" r:id="rId23"/>
+    <p:sldId id="276" r:id="rId24"/>
+    <p:sldId id="258" r:id="rId25"/>
+    <p:sldId id="262" r:id="rId26"/>
   </p:sldIdLst>
   <p:sldSz cx="9144000" cy="6858000" type="screen4x3"/>
   <p:notesSz cx="6858000" cy="9144000"/>
@@ -138,6 +139,7 @@
             <p14:sldId id="268"/>
             <p14:sldId id="269"/>
             <p14:sldId id="256"/>
+            <p14:sldId id="281"/>
             <p14:sldId id="271"/>
             <p14:sldId id="272"/>
             <p14:sldId id="273"/>
@@ -3540,6 +3542,199 @@
           <a:p>
             <a:r>
               <a:rPr lang="en-US" dirty="0"/>
+              <a:t>Traditional Criteria</a:t>
+            </a:r>
+          </a:p>
+        </p:txBody>
+      </p:sp>
+      <p:sp>
+        <p:nvSpPr>
+          <p:cNvPr id="5" name="Content Placeholder 4">
+            <a:extLst>
+              <a:ext uri="{FF2B5EF4-FFF2-40B4-BE49-F238E27FC236}">
+                <a16:creationId xmlns:a16="http://schemas.microsoft.com/office/drawing/2014/main" id="{2E1351D1-5449-464D-B0A4-7A39381642C8}"/>
+              </a:ext>
+            </a:extLst>
+          </p:cNvPr>
+          <p:cNvSpPr>
+            <a:spLocks noGrp="1"/>
+          </p:cNvSpPr>
+          <p:nvPr>
+            <p:ph idx="1"/>
+          </p:nvPr>
+        </p:nvSpPr>
+        <p:spPr/>
+        <p:txBody>
+          <a:bodyPr>
+            <a:normAutofit/>
+          </a:bodyPr>
+          <a:lstStyle/>
+          <a:p>
+            <a:pPr marL="0" indent="0">
+              <a:buNone/>
+            </a:pPr>
+            <a:r>
+              <a:rPr lang="en-US" b="1" cap="small" dirty="0"/>
+              <a:t>Lowest Order </a:t>
+            </a:r>
+            <a:r>
+              <a:rPr lang="en-US" dirty="0"/>
+              <a:t>(unlikely to be mandatory)</a:t>
+            </a:r>
+          </a:p>
+          <a:p>
+            <a:r>
+              <a:rPr lang="en-US" b="1" dirty="0"/>
+              <a:t>Preserve Communities of Interest </a:t>
+            </a:r>
+            <a:r>
+              <a:rPr lang="en-US" dirty="0"/>
+              <a:t>– Communities of interest (however they are defined) should remain in one entire district, when applicable</a:t>
+            </a:r>
+          </a:p>
+          <a:p>
+            <a:r>
+              <a:rPr lang="en-US" b="1" dirty="0"/>
+              <a:t>Proportionality/Symmetry</a:t>
+            </a:r>
+            <a:r>
+              <a:rPr lang="en-US" dirty="0"/>
+              <a:t> - Districts must be drawn in ways that seek to achieve either particular outcomes or political opportunities</a:t>
+            </a:r>
+            <a:endParaRPr lang="en-US" b="1" dirty="0"/>
+          </a:p>
+          <a:p>
+            <a:endParaRPr lang="en-US" b="1" dirty="0"/>
+          </a:p>
+          <a:p>
+            <a:endParaRPr lang="en-US" b="1" dirty="0"/>
+          </a:p>
+        </p:txBody>
+      </p:sp>
+      <p:pic>
+        <p:nvPicPr>
+          <p:cNvPr id="7" name="Picture 6">
+            <a:extLst>
+              <a:ext uri="{FF2B5EF4-FFF2-40B4-BE49-F238E27FC236}">
+                <a16:creationId xmlns:a16="http://schemas.microsoft.com/office/drawing/2014/main" id="{7151CB1B-D838-2E49-925C-33D23B2A81B2}"/>
+              </a:ext>
+            </a:extLst>
+          </p:cNvPr>
+          <p:cNvPicPr>
+            <a:picLocks noChangeAspect="1"/>
+          </p:cNvPicPr>
+          <p:nvPr/>
+        </p:nvPicPr>
+        <p:blipFill>
+          <a:blip r:embed="rId3">
+            <a:alphaModFix/>
+          </a:blip>
+          <a:stretch>
+            <a:fillRect/>
+          </a:stretch>
+        </p:blipFill>
+        <p:spPr>
+          <a:xfrm>
+            <a:off x="6469780" y="236706"/>
+            <a:ext cx="2438400" cy="1041400"/>
+          </a:xfrm>
+          <a:prstGeom prst="rect">
+            <a:avLst/>
+          </a:prstGeom>
+        </p:spPr>
+      </p:pic>
+    </p:spTree>
+    <p:extLst>
+      <p:ext uri="{BB962C8B-B14F-4D97-AF65-F5344CB8AC3E}">
+        <p14:creationId xmlns:p14="http://schemas.microsoft.com/office/powerpoint/2010/main" val="3846183830"/>
+      </p:ext>
+    </p:extLst>
+  </p:cSld>
+  <p:clrMapOvr>
+    <a:masterClrMapping/>
+  </p:clrMapOvr>
+</p:sld>
+</file>
+
+<file path=ppt/slides/slide11.xml><?xml version="1.0" encoding="utf-8"?>
+<p:sld xmlns:a="http://schemas.openxmlformats.org/drawingml/2006/main" xmlns:r="http://schemas.openxmlformats.org/officeDocument/2006/relationships" xmlns:p="http://schemas.openxmlformats.org/presentationml/2006/main">
+  <p:cSld>
+    <p:spTree>
+      <p:nvGrpSpPr>
+        <p:cNvPr id="1" name=""/>
+        <p:cNvGrpSpPr/>
+        <p:nvPr/>
+      </p:nvGrpSpPr>
+      <p:grpSpPr>
+        <a:xfrm>
+          <a:off x="0" y="0"/>
+          <a:ext cx="0" cy="0"/>
+          <a:chOff x="0" y="0"/>
+          <a:chExt cx="0" cy="0"/>
+        </a:xfrm>
+      </p:grpSpPr>
+      <p:pic>
+        <p:nvPicPr>
+          <p:cNvPr id="6" name="Picture 5">
+            <a:extLst>
+              <a:ext uri="{FF2B5EF4-FFF2-40B4-BE49-F238E27FC236}">
+                <a16:creationId xmlns:a16="http://schemas.microsoft.com/office/drawing/2014/main" id="{9E620A0A-A116-5846-90E8-DABD8A61CCCF}"/>
+              </a:ext>
+            </a:extLst>
+          </p:cNvPr>
+          <p:cNvPicPr>
+            <a:picLocks noChangeAspect="1"/>
+          </p:cNvPicPr>
+          <p:nvPr/>
+        </p:nvPicPr>
+        <p:blipFill>
+          <a:blip r:embed="rId2">
+            <a:duotone>
+              <a:schemeClr val="bg2">
+                <a:shade val="45000"/>
+                <a:satMod val="135000"/>
+              </a:schemeClr>
+              <a:prstClr val="white"/>
+            </a:duotone>
+            <a:alphaModFix amt="20000"/>
+          </a:blip>
+          <a:stretch>
+            <a:fillRect/>
+          </a:stretch>
+        </p:blipFill>
+        <p:spPr>
+          <a:xfrm>
+            <a:off x="3140404" y="868203"/>
+            <a:ext cx="6177680" cy="6177680"/>
+          </a:xfrm>
+          <a:prstGeom prst="rect">
+            <a:avLst/>
+          </a:prstGeom>
+        </p:spPr>
+      </p:pic>
+      <p:sp>
+        <p:nvSpPr>
+          <p:cNvPr id="4" name="Title 3">
+            <a:extLst>
+              <a:ext uri="{FF2B5EF4-FFF2-40B4-BE49-F238E27FC236}">
+                <a16:creationId xmlns:a16="http://schemas.microsoft.com/office/drawing/2014/main" id="{4B0D3932-0486-6143-B852-C628D46A0657}"/>
+              </a:ext>
+            </a:extLst>
+          </p:cNvPr>
+          <p:cNvSpPr>
+            <a:spLocks noGrp="1"/>
+          </p:cNvSpPr>
+          <p:nvPr>
+            <p:ph type="title"/>
+          </p:nvPr>
+        </p:nvSpPr>
+        <p:spPr/>
+        <p:txBody>
+          <a:bodyPr/>
+          <a:lstStyle/>
+          <a:p>
+            <a:r>
+              <a:rPr lang="en-US" dirty="0"/>
               <a:t>Types of Gerrymanders</a:t>
             </a:r>
           </a:p>
@@ -3645,7 +3840,7 @@
 </p:sld>
 </file>
 
-<file path=ppt/slides/slide11.xml><?xml version="1.0" encoding="utf-8"?>
+<file path=ppt/slides/slide12.xml><?xml version="1.0" encoding="utf-8"?>
 <p:sld xmlns:a="http://schemas.openxmlformats.org/drawingml/2006/main" xmlns:r="http://schemas.openxmlformats.org/officeDocument/2006/relationships" xmlns:p="http://schemas.openxmlformats.org/presentationml/2006/main">
   <p:cSld>
     <p:bg>
@@ -4655,7 +4850,7 @@
 </p:sld>
 </file>
 
-<file path=ppt/slides/slide12.xml><?xml version="1.0" encoding="utf-8"?>
+<file path=ppt/slides/slide13.xml><?xml version="1.0" encoding="utf-8"?>
 <p:sld xmlns:a="http://schemas.openxmlformats.org/drawingml/2006/main" xmlns:r="http://schemas.openxmlformats.org/officeDocument/2006/relationships" xmlns:p="http://schemas.openxmlformats.org/presentationml/2006/main">
   <p:cSld>
     <p:bg>
@@ -5697,7 +5892,7 @@
 </p:sld>
 </file>
 
-<file path=ppt/slides/slide13.xml><?xml version="1.0" encoding="utf-8"?>
+<file path=ppt/slides/slide14.xml><?xml version="1.0" encoding="utf-8"?>
 <p:sld xmlns:a="http://schemas.openxmlformats.org/drawingml/2006/main" xmlns:r="http://schemas.openxmlformats.org/officeDocument/2006/relationships" xmlns:p="http://schemas.openxmlformats.org/presentationml/2006/main">
   <p:cSld>
     <p:bg>
@@ -6739,7 +6934,7 @@
 </p:sld>
 </file>
 
-<file path=ppt/slides/slide14.xml><?xml version="1.0" encoding="utf-8"?>
+<file path=ppt/slides/slide15.xml><?xml version="1.0" encoding="utf-8"?>
 <p:sld xmlns:a="http://schemas.openxmlformats.org/drawingml/2006/main" xmlns:r="http://schemas.openxmlformats.org/officeDocument/2006/relationships" xmlns:p="http://schemas.openxmlformats.org/presentationml/2006/main">
   <p:cSld>
     <p:bg>
@@ -7799,7 +7994,7 @@
 </p:sld>
 </file>
 
-<file path=ppt/slides/slide15.xml><?xml version="1.0" encoding="utf-8"?>
+<file path=ppt/slides/slide16.xml><?xml version="1.0" encoding="utf-8"?>
 <p:sld xmlns:a="http://schemas.openxmlformats.org/drawingml/2006/main" xmlns:r="http://schemas.openxmlformats.org/officeDocument/2006/relationships" xmlns:p="http://schemas.openxmlformats.org/presentationml/2006/main">
   <p:cSld>
     <p:bg>
@@ -8841,7 +9036,7 @@
 </p:sld>
 </file>
 
-<file path=ppt/slides/slide16.xml><?xml version="1.0" encoding="utf-8"?>
+<file path=ppt/slides/slide17.xml><?xml version="1.0" encoding="utf-8"?>
 <p:sld xmlns:a="http://schemas.openxmlformats.org/drawingml/2006/main" xmlns:r="http://schemas.openxmlformats.org/officeDocument/2006/relationships" xmlns:p="http://schemas.openxmlformats.org/presentationml/2006/main">
   <p:cSld>
     <p:bg>
@@ -9888,7 +10083,7 @@
 </p:sld>
 </file>
 
-<file path=ppt/slides/slide17.xml><?xml version="1.0" encoding="utf-8"?>
+<file path=ppt/slides/slide18.xml><?xml version="1.0" encoding="utf-8"?>
 <p:sld xmlns:a="http://schemas.openxmlformats.org/drawingml/2006/main" xmlns:r="http://schemas.openxmlformats.org/officeDocument/2006/relationships" xmlns:p="http://schemas.openxmlformats.org/presentationml/2006/main">
   <p:cSld>
     <p:bg>
@@ -10929,192 +11124,6 @@
 </p:sld>
 </file>
 
-<file path=ppt/slides/slide18.xml><?xml version="1.0" encoding="utf-8"?>
-<p:sld xmlns:a="http://schemas.openxmlformats.org/drawingml/2006/main" xmlns:r="http://schemas.openxmlformats.org/officeDocument/2006/relationships" xmlns:p="http://schemas.openxmlformats.org/presentationml/2006/main">
-  <p:cSld>
-    <p:spTree>
-      <p:nvGrpSpPr>
-        <p:cNvPr id="1" name=""/>
-        <p:cNvGrpSpPr/>
-        <p:nvPr/>
-      </p:nvGrpSpPr>
-      <p:grpSpPr>
-        <a:xfrm>
-          <a:off x="0" y="0"/>
-          <a:ext cx="0" cy="0"/>
-          <a:chOff x="0" y="0"/>
-          <a:chExt cx="0" cy="0"/>
-        </a:xfrm>
-      </p:grpSpPr>
-      <p:pic>
-        <p:nvPicPr>
-          <p:cNvPr id="6" name="Picture 5">
-            <a:extLst>
-              <a:ext uri="{FF2B5EF4-FFF2-40B4-BE49-F238E27FC236}">
-                <a16:creationId xmlns:a16="http://schemas.microsoft.com/office/drawing/2014/main" id="{9E620A0A-A116-5846-90E8-DABD8A61CCCF}"/>
-              </a:ext>
-            </a:extLst>
-          </p:cNvPr>
-          <p:cNvPicPr>
-            <a:picLocks noChangeAspect="1"/>
-          </p:cNvPicPr>
-          <p:nvPr/>
-        </p:nvPicPr>
-        <p:blipFill>
-          <a:blip r:embed="rId2">
-            <a:duotone>
-              <a:schemeClr val="bg2">
-                <a:shade val="45000"/>
-                <a:satMod val="135000"/>
-              </a:schemeClr>
-              <a:prstClr val="white"/>
-            </a:duotone>
-            <a:alphaModFix amt="20000"/>
-          </a:blip>
-          <a:stretch>
-            <a:fillRect/>
-          </a:stretch>
-        </p:blipFill>
-        <p:spPr>
-          <a:xfrm>
-            <a:off x="3140404" y="868203"/>
-            <a:ext cx="6177680" cy="6177680"/>
-          </a:xfrm>
-          <a:prstGeom prst="rect">
-            <a:avLst/>
-          </a:prstGeom>
-        </p:spPr>
-      </p:pic>
-      <p:sp>
-        <p:nvSpPr>
-          <p:cNvPr id="4" name="Title 3">
-            <a:extLst>
-              <a:ext uri="{FF2B5EF4-FFF2-40B4-BE49-F238E27FC236}">
-                <a16:creationId xmlns:a16="http://schemas.microsoft.com/office/drawing/2014/main" id="{4B0D3932-0486-6143-B852-C628D46A0657}"/>
-              </a:ext>
-            </a:extLst>
-          </p:cNvPr>
-          <p:cNvSpPr>
-            <a:spLocks noGrp="1"/>
-          </p:cNvSpPr>
-          <p:nvPr>
-            <p:ph type="title"/>
-          </p:nvPr>
-        </p:nvSpPr>
-        <p:spPr/>
-        <p:txBody>
-          <a:bodyPr/>
-          <a:lstStyle/>
-          <a:p>
-            <a:r>
-              <a:rPr lang="en-US" dirty="0"/>
-              <a:t>Conclusions</a:t>
-            </a:r>
-          </a:p>
-        </p:txBody>
-      </p:sp>
-      <p:sp>
-        <p:nvSpPr>
-          <p:cNvPr id="5" name="Content Placeholder 4">
-            <a:extLst>
-              <a:ext uri="{FF2B5EF4-FFF2-40B4-BE49-F238E27FC236}">
-                <a16:creationId xmlns:a16="http://schemas.microsoft.com/office/drawing/2014/main" id="{2E1351D1-5449-464D-B0A4-7A39381642C8}"/>
-              </a:ext>
-            </a:extLst>
-          </p:cNvPr>
-          <p:cNvSpPr>
-            <a:spLocks noGrp="1"/>
-          </p:cNvSpPr>
-          <p:nvPr>
-            <p:ph idx="1"/>
-          </p:nvPr>
-        </p:nvSpPr>
-        <p:spPr/>
-        <p:txBody>
-          <a:bodyPr>
-            <a:normAutofit/>
-          </a:bodyPr>
-          <a:lstStyle/>
-          <a:p>
-            <a:pPr marL="0" indent="0">
-              <a:buNone/>
-            </a:pPr>
-            <a:r>
-              <a:rPr lang="en-US" b="1" cap="small" dirty="0"/>
-              <a:t>The </a:t>
-            </a:r>
-            <a:r>
-              <a:rPr lang="en-US" b="1" cap="small" dirty="0" err="1"/>
-              <a:t>UpShot</a:t>
-            </a:r>
-            <a:r>
-              <a:rPr lang="en-US" b="1" cap="small" dirty="0"/>
-              <a:t> from this exercise is that the lines matter! Sometimes even unintentional decisions can lead to sub-optimal, or perhaps even unconstitutional outcomes.</a:t>
-            </a:r>
-            <a:endParaRPr lang="en-US" dirty="0"/>
-          </a:p>
-          <a:p>
-            <a:endParaRPr lang="en-US" b="1" dirty="0"/>
-          </a:p>
-          <a:p>
-            <a:endParaRPr lang="en-US" b="1" dirty="0"/>
-          </a:p>
-          <a:p>
-            <a:r>
-              <a:rPr lang="en-US" b="1" dirty="0"/>
-              <a:t>Let’s meet our Panelists!</a:t>
-            </a:r>
-          </a:p>
-          <a:p>
-            <a:endParaRPr lang="en-US" b="1" dirty="0"/>
-          </a:p>
-        </p:txBody>
-      </p:sp>
-      <p:pic>
-        <p:nvPicPr>
-          <p:cNvPr id="7" name="Picture 6">
-            <a:extLst>
-              <a:ext uri="{FF2B5EF4-FFF2-40B4-BE49-F238E27FC236}">
-                <a16:creationId xmlns:a16="http://schemas.microsoft.com/office/drawing/2014/main" id="{7151CB1B-D838-2E49-925C-33D23B2A81B2}"/>
-              </a:ext>
-            </a:extLst>
-          </p:cNvPr>
-          <p:cNvPicPr>
-            <a:picLocks noChangeAspect="1"/>
-          </p:cNvPicPr>
-          <p:nvPr/>
-        </p:nvPicPr>
-        <p:blipFill>
-          <a:blip r:embed="rId3">
-            <a:alphaModFix/>
-          </a:blip>
-          <a:stretch>
-            <a:fillRect/>
-          </a:stretch>
-        </p:blipFill>
-        <p:spPr>
-          <a:xfrm>
-            <a:off x="6469780" y="236706"/>
-            <a:ext cx="2438400" cy="1041400"/>
-          </a:xfrm>
-          <a:prstGeom prst="rect">
-            <a:avLst/>
-          </a:prstGeom>
-        </p:spPr>
-      </p:pic>
-    </p:spTree>
-    <p:extLst>
-      <p:ext uri="{BB962C8B-B14F-4D97-AF65-F5344CB8AC3E}">
-        <p14:creationId xmlns:p14="http://schemas.microsoft.com/office/powerpoint/2010/main" val="1173761337"/>
-      </p:ext>
-    </p:extLst>
-  </p:cSld>
-  <p:clrMapOvr>
-    <a:masterClrMapping/>
-  </p:clrMapOvr>
-</p:sld>
-</file>
-
 <file path=ppt/slides/slide19.xml><?xml version="1.0" encoding="utf-8"?>
 <p:sld xmlns:a="http://schemas.openxmlformats.org/drawingml/2006/main" xmlns:r="http://schemas.openxmlformats.org/officeDocument/2006/relationships" xmlns:p="http://schemas.openxmlformats.org/presentationml/2006/main">
   <p:cSld>
@@ -11193,14 +11202,9 @@
           <a:lstStyle/>
           <a:p>
             <a:r>
-              <a:rPr lang="en-US" b="1" dirty="0" err="1"/>
-              <a:t>Kathay</a:t>
-            </a:r>
-            <a:r>
-              <a:rPr lang="en-US" b="1" dirty="0"/>
-              <a:t> Feng</a:t>
-            </a:r>
-            <a:endParaRPr lang="en-US" dirty="0"/>
+              <a:rPr lang="en-US" dirty="0"/>
+              <a:t>Conclusions</a:t>
+            </a:r>
           </a:p>
         </p:txBody>
       </p:sp>
@@ -11227,33 +11231,36 @@
           </a:bodyPr>
           <a:lstStyle/>
           <a:p>
-            <a:r>
-              <a:rPr lang="en-US" dirty="0"/>
-              <a:t>National Redistricting Director for Common Cause</a:t>
-            </a:r>
+            <a:pPr marL="0" indent="0">
+              <a:buNone/>
+            </a:pPr>
+            <a:r>
+              <a:rPr lang="en-US" b="1" cap="small" dirty="0"/>
+              <a:t>The </a:t>
+            </a:r>
+            <a:r>
+              <a:rPr lang="en-US" b="1" cap="small" dirty="0" err="1"/>
+              <a:t>UpShot</a:t>
+            </a:r>
+            <a:r>
+              <a:rPr lang="en-US" b="1" cap="small" dirty="0"/>
+              <a:t> from this exercise is that the lines matter! Sometimes even unintentional decisions can lead to sub-optimal, or perhaps even unconstitutional outcomes.</a:t>
+            </a:r>
+            <a:endParaRPr lang="en-US" dirty="0"/>
+          </a:p>
+          <a:p>
             <a:endParaRPr lang="en-US" b="1" dirty="0"/>
           </a:p>
           <a:p>
-            <a:r>
-              <a:rPr lang="en-US" dirty="0"/>
-              <a:t>Leads Common Cause’s work to challenge partisan and incumbent gerrymandering, </a:t>
-            </a:r>
-          </a:p>
-          <a:p>
-            <a:r>
-              <a:rPr lang="en-US" dirty="0" err="1"/>
-              <a:t>Kathay</a:t>
-            </a:r>
-            <a:r>
-              <a:rPr lang="en-US" dirty="0"/>
-              <a:t> is the architect of California’s Citizens Redistricting Commission</a:t>
-            </a:r>
-          </a:p>
-          <a:p>
-            <a:r>
-              <a:rPr lang="en-US" dirty="0"/>
-              <a:t>She also led efforts that secured passage of California laws bringing online voter registration and same day registration (called conditional voter registration) to the state.</a:t>
-            </a:r>
+            <a:endParaRPr lang="en-US" b="1" dirty="0"/>
+          </a:p>
+          <a:p>
+            <a:r>
+              <a:rPr lang="en-US" b="1" dirty="0"/>
+              <a:t>Let’s meet our Panelists!</a:t>
+            </a:r>
+          </a:p>
+          <a:p>
             <a:endParaRPr lang="en-US" b="1" dirty="0"/>
           </a:p>
         </p:txBody>
@@ -11293,7 +11300,7 @@
     </p:spTree>
     <p:extLst>
       <p:ext uri="{BB962C8B-B14F-4D97-AF65-F5344CB8AC3E}">
-        <p14:creationId xmlns:p14="http://schemas.microsoft.com/office/powerpoint/2010/main" val="1506736572"/>
+        <p14:creationId xmlns:p14="http://schemas.microsoft.com/office/powerpoint/2010/main" val="1173761337"/>
       </p:ext>
     </p:extLst>
   </p:cSld>
@@ -11571,6 +11578,194 @@
           <a:lstStyle/>
           <a:p>
             <a:r>
+              <a:rPr lang="en-US" b="1" dirty="0" err="1"/>
+              <a:t>Kathay</a:t>
+            </a:r>
+            <a:r>
+              <a:rPr lang="en-US" b="1" dirty="0"/>
+              <a:t> Feng</a:t>
+            </a:r>
+            <a:endParaRPr lang="en-US" dirty="0"/>
+          </a:p>
+        </p:txBody>
+      </p:sp>
+      <p:sp>
+        <p:nvSpPr>
+          <p:cNvPr id="5" name="Content Placeholder 4">
+            <a:extLst>
+              <a:ext uri="{FF2B5EF4-FFF2-40B4-BE49-F238E27FC236}">
+                <a16:creationId xmlns:a16="http://schemas.microsoft.com/office/drawing/2014/main" id="{2E1351D1-5449-464D-B0A4-7A39381642C8}"/>
+              </a:ext>
+            </a:extLst>
+          </p:cNvPr>
+          <p:cNvSpPr>
+            <a:spLocks noGrp="1"/>
+          </p:cNvSpPr>
+          <p:nvPr>
+            <p:ph idx="1"/>
+          </p:nvPr>
+        </p:nvSpPr>
+        <p:spPr/>
+        <p:txBody>
+          <a:bodyPr>
+            <a:normAutofit/>
+          </a:bodyPr>
+          <a:lstStyle/>
+          <a:p>
+            <a:r>
+              <a:rPr lang="en-US" dirty="0"/>
+              <a:t>National Redistricting Director for Common Cause</a:t>
+            </a:r>
+            <a:endParaRPr lang="en-US" b="1" dirty="0"/>
+          </a:p>
+          <a:p>
+            <a:r>
+              <a:rPr lang="en-US" dirty="0"/>
+              <a:t>Leads Common Cause’s work to challenge partisan and incumbent gerrymandering, </a:t>
+            </a:r>
+          </a:p>
+          <a:p>
+            <a:r>
+              <a:rPr lang="en-US" dirty="0" err="1"/>
+              <a:t>Kathay</a:t>
+            </a:r>
+            <a:r>
+              <a:rPr lang="en-US" dirty="0"/>
+              <a:t> is the architect of California’s Citizens Redistricting Commission</a:t>
+            </a:r>
+          </a:p>
+          <a:p>
+            <a:r>
+              <a:rPr lang="en-US" dirty="0"/>
+              <a:t>She also led efforts that secured passage of California laws bringing online voter registration and same day registration (called conditional voter registration) to the state.</a:t>
+            </a:r>
+            <a:endParaRPr lang="en-US" b="1" dirty="0"/>
+          </a:p>
+        </p:txBody>
+      </p:sp>
+      <p:pic>
+        <p:nvPicPr>
+          <p:cNvPr id="7" name="Picture 6">
+            <a:extLst>
+              <a:ext uri="{FF2B5EF4-FFF2-40B4-BE49-F238E27FC236}">
+                <a16:creationId xmlns:a16="http://schemas.microsoft.com/office/drawing/2014/main" id="{7151CB1B-D838-2E49-925C-33D23B2A81B2}"/>
+              </a:ext>
+            </a:extLst>
+          </p:cNvPr>
+          <p:cNvPicPr>
+            <a:picLocks noChangeAspect="1"/>
+          </p:cNvPicPr>
+          <p:nvPr/>
+        </p:nvPicPr>
+        <p:blipFill>
+          <a:blip r:embed="rId3">
+            <a:alphaModFix/>
+          </a:blip>
+          <a:stretch>
+            <a:fillRect/>
+          </a:stretch>
+        </p:blipFill>
+        <p:spPr>
+          <a:xfrm>
+            <a:off x="6469780" y="236706"/>
+            <a:ext cx="2438400" cy="1041400"/>
+          </a:xfrm>
+          <a:prstGeom prst="rect">
+            <a:avLst/>
+          </a:prstGeom>
+        </p:spPr>
+      </p:pic>
+    </p:spTree>
+    <p:extLst>
+      <p:ext uri="{BB962C8B-B14F-4D97-AF65-F5344CB8AC3E}">
+        <p14:creationId xmlns:p14="http://schemas.microsoft.com/office/powerpoint/2010/main" val="1506736572"/>
+      </p:ext>
+    </p:extLst>
+  </p:cSld>
+  <p:clrMapOvr>
+    <a:masterClrMapping/>
+  </p:clrMapOvr>
+</p:sld>
+</file>
+
+<file path=ppt/slides/slide21.xml><?xml version="1.0" encoding="utf-8"?>
+<p:sld xmlns:a="http://schemas.openxmlformats.org/drawingml/2006/main" xmlns:r="http://schemas.openxmlformats.org/officeDocument/2006/relationships" xmlns:p="http://schemas.openxmlformats.org/presentationml/2006/main">
+  <p:cSld>
+    <p:spTree>
+      <p:nvGrpSpPr>
+        <p:cNvPr id="1" name=""/>
+        <p:cNvGrpSpPr/>
+        <p:nvPr/>
+      </p:nvGrpSpPr>
+      <p:grpSpPr>
+        <a:xfrm>
+          <a:off x="0" y="0"/>
+          <a:ext cx="0" cy="0"/>
+          <a:chOff x="0" y="0"/>
+          <a:chExt cx="0" cy="0"/>
+        </a:xfrm>
+      </p:grpSpPr>
+      <p:pic>
+        <p:nvPicPr>
+          <p:cNvPr id="6" name="Picture 5">
+            <a:extLst>
+              <a:ext uri="{FF2B5EF4-FFF2-40B4-BE49-F238E27FC236}">
+                <a16:creationId xmlns:a16="http://schemas.microsoft.com/office/drawing/2014/main" id="{9E620A0A-A116-5846-90E8-DABD8A61CCCF}"/>
+              </a:ext>
+            </a:extLst>
+          </p:cNvPr>
+          <p:cNvPicPr>
+            <a:picLocks noChangeAspect="1"/>
+          </p:cNvPicPr>
+          <p:nvPr/>
+        </p:nvPicPr>
+        <p:blipFill>
+          <a:blip r:embed="rId2">
+            <a:duotone>
+              <a:schemeClr val="bg2">
+                <a:shade val="45000"/>
+                <a:satMod val="135000"/>
+              </a:schemeClr>
+              <a:prstClr val="white"/>
+            </a:duotone>
+            <a:alphaModFix amt="20000"/>
+          </a:blip>
+          <a:stretch>
+            <a:fillRect/>
+          </a:stretch>
+        </p:blipFill>
+        <p:spPr>
+          <a:xfrm>
+            <a:off x="3140404" y="868203"/>
+            <a:ext cx="6177680" cy="6177680"/>
+          </a:xfrm>
+          <a:prstGeom prst="rect">
+            <a:avLst/>
+          </a:prstGeom>
+        </p:spPr>
+      </p:pic>
+      <p:sp>
+        <p:nvSpPr>
+          <p:cNvPr id="4" name="Title 3">
+            <a:extLst>
+              <a:ext uri="{FF2B5EF4-FFF2-40B4-BE49-F238E27FC236}">
+                <a16:creationId xmlns:a16="http://schemas.microsoft.com/office/drawing/2014/main" id="{4B0D3932-0486-6143-B852-C628D46A0657}"/>
+              </a:ext>
+            </a:extLst>
+          </p:cNvPr>
+          <p:cNvSpPr>
+            <a:spLocks noGrp="1"/>
+          </p:cNvSpPr>
+          <p:nvPr>
+            <p:ph type="title"/>
+          </p:nvPr>
+        </p:nvSpPr>
+        <p:spPr/>
+        <p:txBody>
+          <a:bodyPr/>
+          <a:lstStyle/>
+          <a:p>
+            <a:r>
               <a:rPr lang="en-US" b="1" dirty="0"/>
               <a:t>Rep. Tyler </a:t>
             </a:r>
@@ -11696,7 +11891,7 @@
 </p:sld>
 </file>
 
-<file path=ppt/slides/slide21.xml><?xml version="1.0" encoding="utf-8"?>
+<file path=ppt/slides/slide22.xml><?xml version="1.0" encoding="utf-8"?>
 <p:sld xmlns:a="http://schemas.openxmlformats.org/drawingml/2006/main" xmlns:r="http://schemas.openxmlformats.org/officeDocument/2006/relationships" xmlns:p="http://schemas.openxmlformats.org/presentationml/2006/main">
   <p:cSld>
     <p:spTree>
@@ -12283,7 +12478,7 @@
 </p:sld>
 </file>
 
-<file path=ppt/slides/slide22.xml><?xml version="1.0" encoding="utf-8"?>
+<file path=ppt/slides/slide23.xml><?xml version="1.0" encoding="utf-8"?>
 <p:sld xmlns:a="http://schemas.openxmlformats.org/drawingml/2006/main" xmlns:r="http://schemas.openxmlformats.org/officeDocument/2006/relationships" xmlns:p="http://schemas.openxmlformats.org/presentationml/2006/main">
   <p:cSld>
     <p:spTree>
@@ -12634,7 +12829,7 @@
 </p:sld>
 </file>
 
-<file path=ppt/slides/slide23.xml><?xml version="1.0" encoding="utf-8"?>
+<file path=ppt/slides/slide24.xml><?xml version="1.0" encoding="utf-8"?>
 <p:sld xmlns:a="http://schemas.openxmlformats.org/drawingml/2006/main" xmlns:r="http://schemas.openxmlformats.org/officeDocument/2006/relationships" xmlns:p="http://schemas.openxmlformats.org/presentationml/2006/main">
   <p:cSld>
     <p:bg>
@@ -13684,7 +13879,7 @@
 </p:sld>
 </file>
 
-<file path=ppt/slides/slide24.xml><?xml version="1.0" encoding="utf-8"?>
+<file path=ppt/slides/slide25.xml><?xml version="1.0" encoding="utf-8"?>
 <p:sld xmlns:a="http://schemas.openxmlformats.org/drawingml/2006/main" xmlns:r="http://schemas.openxmlformats.org/officeDocument/2006/relationships" xmlns:p="http://schemas.openxmlformats.org/presentationml/2006/main">
   <p:cSld>
     <p:bg>
@@ -15265,19 +15460,43 @@
           </a:p>
           <a:p>
             <a:r>
-              <a:rPr lang="en-US" b="1" dirty="0"/>
+              <a:rPr lang="en-US" b="1" dirty="0">
+                <a:solidFill>
+                  <a:schemeClr val="bg1">
+                    <a:lumMod val="95000"/>
+                  </a:schemeClr>
+                </a:solidFill>
+              </a:rPr>
               <a:t>Fracking</a:t>
             </a:r>
             <a:r>
-              <a:rPr lang="en-US" dirty="0"/>
+              <a:rPr lang="en-US" dirty="0">
+                <a:solidFill>
+                  <a:schemeClr val="bg1">
+                    <a:lumMod val="95000"/>
+                  </a:schemeClr>
+                </a:solidFill>
+              </a:rPr>
               <a:t> - Fracking occurs when population from given county or city is found in two or more </a:t>
             </a:r>
             <a:r>
-              <a:rPr lang="en-US" dirty="0" err="1"/>
+              <a:rPr lang="en-US" dirty="0" err="1">
+                <a:solidFill>
+                  <a:schemeClr val="bg1">
+                    <a:lumMod val="95000"/>
+                  </a:schemeClr>
+                </a:solidFill>
+              </a:rPr>
               <a:t>discontiguous</a:t>
             </a:r>
             <a:r>
-              <a:rPr lang="en-US" dirty="0"/>
+              <a:rPr lang="en-US" dirty="0">
+                <a:solidFill>
+                  <a:schemeClr val="bg1">
+                    <a:lumMod val="95000"/>
+                  </a:schemeClr>
+                </a:solidFill>
+              </a:rPr>
               <a:t> pieces within the same district</a:t>
             </a:r>
           </a:p>
@@ -15476,6 +15695,223 @@
 <file path=ppt/slides/slide7.xml><?xml version="1.0" encoding="utf-8"?>
 <p:sld xmlns:a="http://schemas.openxmlformats.org/drawingml/2006/main" xmlns:r="http://schemas.openxmlformats.org/officeDocument/2006/relationships" xmlns:p="http://schemas.openxmlformats.org/presentationml/2006/main">
   <p:cSld>
+    <p:spTree>
+      <p:nvGrpSpPr>
+        <p:cNvPr id="1" name=""/>
+        <p:cNvGrpSpPr/>
+        <p:nvPr/>
+      </p:nvGrpSpPr>
+      <p:grpSpPr>
+        <a:xfrm>
+          <a:off x="0" y="0"/>
+          <a:ext cx="0" cy="0"/>
+          <a:chOff x="0" y="0"/>
+          <a:chExt cx="0" cy="0"/>
+        </a:xfrm>
+      </p:grpSpPr>
+      <p:pic>
+        <p:nvPicPr>
+          <p:cNvPr id="6" name="Picture 5">
+            <a:extLst>
+              <a:ext uri="{FF2B5EF4-FFF2-40B4-BE49-F238E27FC236}">
+                <a16:creationId xmlns:a16="http://schemas.microsoft.com/office/drawing/2014/main" id="{9E620A0A-A116-5846-90E8-DABD8A61CCCF}"/>
+              </a:ext>
+            </a:extLst>
+          </p:cNvPr>
+          <p:cNvPicPr>
+            <a:picLocks noChangeAspect="1"/>
+          </p:cNvPicPr>
+          <p:nvPr/>
+        </p:nvPicPr>
+        <p:blipFill>
+          <a:blip r:embed="rId2">
+            <a:duotone>
+              <a:schemeClr val="bg2">
+                <a:shade val="45000"/>
+                <a:satMod val="135000"/>
+              </a:schemeClr>
+              <a:prstClr val="white"/>
+            </a:duotone>
+            <a:alphaModFix amt="20000"/>
+          </a:blip>
+          <a:stretch>
+            <a:fillRect/>
+          </a:stretch>
+        </p:blipFill>
+        <p:spPr>
+          <a:xfrm>
+            <a:off x="3140404" y="868203"/>
+            <a:ext cx="6177680" cy="6177680"/>
+          </a:xfrm>
+          <a:prstGeom prst="rect">
+            <a:avLst/>
+          </a:prstGeom>
+        </p:spPr>
+      </p:pic>
+      <p:sp>
+        <p:nvSpPr>
+          <p:cNvPr id="4" name="Title 3">
+            <a:extLst>
+              <a:ext uri="{FF2B5EF4-FFF2-40B4-BE49-F238E27FC236}">
+                <a16:creationId xmlns:a16="http://schemas.microsoft.com/office/drawing/2014/main" id="{4B0D3932-0486-6143-B852-C628D46A0657}"/>
+              </a:ext>
+            </a:extLst>
+          </p:cNvPr>
+          <p:cNvSpPr>
+            <a:spLocks noGrp="1"/>
+          </p:cNvSpPr>
+          <p:nvPr>
+            <p:ph type="title"/>
+          </p:nvPr>
+        </p:nvSpPr>
+        <p:spPr/>
+        <p:txBody>
+          <a:bodyPr/>
+          <a:lstStyle/>
+          <a:p>
+            <a:r>
+              <a:rPr lang="en-US" dirty="0"/>
+              <a:t>Traditional Criteria</a:t>
+            </a:r>
+          </a:p>
+        </p:txBody>
+      </p:sp>
+      <p:sp>
+        <p:nvSpPr>
+          <p:cNvPr id="5" name="Content Placeholder 4">
+            <a:extLst>
+              <a:ext uri="{FF2B5EF4-FFF2-40B4-BE49-F238E27FC236}">
+                <a16:creationId xmlns:a16="http://schemas.microsoft.com/office/drawing/2014/main" id="{2E1351D1-5449-464D-B0A4-7A39381642C8}"/>
+              </a:ext>
+            </a:extLst>
+          </p:cNvPr>
+          <p:cNvSpPr>
+            <a:spLocks noGrp="1"/>
+          </p:cNvSpPr>
+          <p:nvPr>
+            <p:ph idx="1"/>
+          </p:nvPr>
+        </p:nvSpPr>
+        <p:spPr/>
+        <p:txBody>
+          <a:bodyPr>
+            <a:normAutofit fontScale="92500" lnSpcReduction="10000"/>
+          </a:bodyPr>
+          <a:lstStyle/>
+          <a:p>
+            <a:pPr marL="0" indent="0">
+              <a:buNone/>
+            </a:pPr>
+            <a:r>
+              <a:rPr lang="en-US" b="1" cap="small" dirty="0"/>
+              <a:t>Lower Order </a:t>
+            </a:r>
+            <a:r>
+              <a:rPr lang="en-US" dirty="0"/>
+              <a:t>(may or may not be mandatory)</a:t>
+            </a:r>
+          </a:p>
+          <a:p>
+            <a:r>
+              <a:rPr lang="en-US" b="1" dirty="0"/>
+              <a:t>Integrity of county and city boundaries </a:t>
+            </a:r>
+            <a:r>
+              <a:rPr lang="en-US" dirty="0"/>
+              <a:t>– minimizing the number of political sub-division splits</a:t>
+            </a:r>
+          </a:p>
+          <a:p>
+            <a:r>
+              <a:rPr lang="en-US" b="1" dirty="0"/>
+              <a:t>Preservation of District Cores </a:t>
+            </a:r>
+            <a:r>
+              <a:rPr lang="en-US" dirty="0"/>
+              <a:t>– Avoiding drawing districts that dramatically reconfigure the prior maps</a:t>
+            </a:r>
+          </a:p>
+          <a:p>
+            <a:r>
+              <a:rPr lang="en-US" b="1" dirty="0"/>
+              <a:t>Compactness</a:t>
+            </a:r>
+            <a:r>
+              <a:rPr lang="en-US" dirty="0"/>
+              <a:t> - degree of irregularity in the border of a district, or to the degree to which the district borders are not close to the geographic center of the district</a:t>
+            </a:r>
+          </a:p>
+          <a:p>
+            <a:r>
+              <a:rPr lang="en-US" b="1" dirty="0"/>
+              <a:t>Fracking</a:t>
+            </a:r>
+            <a:r>
+              <a:rPr lang="en-US" dirty="0"/>
+              <a:t> - Fracking occurs when population from given county or city is found in two or more </a:t>
+            </a:r>
+            <a:r>
+              <a:rPr lang="en-US" dirty="0" err="1"/>
+              <a:t>discontiguous</a:t>
+            </a:r>
+            <a:r>
+              <a:rPr lang="en-US" dirty="0"/>
+              <a:t> pieces within the same district</a:t>
+            </a:r>
+          </a:p>
+          <a:p>
+            <a:endParaRPr lang="en-US" dirty="0"/>
+          </a:p>
+        </p:txBody>
+      </p:sp>
+      <p:pic>
+        <p:nvPicPr>
+          <p:cNvPr id="7" name="Picture 6">
+            <a:extLst>
+              <a:ext uri="{FF2B5EF4-FFF2-40B4-BE49-F238E27FC236}">
+                <a16:creationId xmlns:a16="http://schemas.microsoft.com/office/drawing/2014/main" id="{7151CB1B-D838-2E49-925C-33D23B2A81B2}"/>
+              </a:ext>
+            </a:extLst>
+          </p:cNvPr>
+          <p:cNvPicPr>
+            <a:picLocks noChangeAspect="1"/>
+          </p:cNvPicPr>
+          <p:nvPr/>
+        </p:nvPicPr>
+        <p:blipFill>
+          <a:blip r:embed="rId3">
+            <a:alphaModFix/>
+          </a:blip>
+          <a:stretch>
+            <a:fillRect/>
+          </a:stretch>
+        </p:blipFill>
+        <p:spPr>
+          <a:xfrm>
+            <a:off x="6469780" y="236706"/>
+            <a:ext cx="2438400" cy="1041400"/>
+          </a:xfrm>
+          <a:prstGeom prst="rect">
+            <a:avLst/>
+          </a:prstGeom>
+        </p:spPr>
+      </p:pic>
+    </p:spTree>
+    <p:extLst>
+      <p:ext uri="{BB962C8B-B14F-4D97-AF65-F5344CB8AC3E}">
+        <p14:creationId xmlns:p14="http://schemas.microsoft.com/office/powerpoint/2010/main" val="3061780354"/>
+      </p:ext>
+    </p:extLst>
+  </p:cSld>
+  <p:clrMapOvr>
+    <a:masterClrMapping/>
+  </p:clrMapOvr>
+</p:sld>
+</file>
+
+<file path=ppt/slides/slide8.xml><?xml version="1.0" encoding="utf-8"?>
+<p:sld xmlns:a="http://schemas.openxmlformats.org/drawingml/2006/main" xmlns:r="http://schemas.openxmlformats.org/officeDocument/2006/relationships" xmlns:p="http://schemas.openxmlformats.org/presentationml/2006/main">
+  <p:cSld>
     <p:bg>
       <p:bgPr>
         <a:solidFill>
@@ -15557,6 +15993,9 @@
           <a:prstGeom prst="rect">
             <a:avLst/>
           </a:prstGeom>
+          <a:effectLst>
+            <a:softEdge rad="495300"/>
+          </a:effectLst>
         </p:spPr>
       </p:pic>
       <p:sp>
@@ -15606,211 +16045,6 @@
     <p:extLst>
       <p:ext uri="{BB962C8B-B14F-4D97-AF65-F5344CB8AC3E}">
         <p14:creationId xmlns:p14="http://schemas.microsoft.com/office/powerpoint/2010/main" val="1358071324"/>
-      </p:ext>
-    </p:extLst>
-  </p:cSld>
-  <p:clrMapOvr>
-    <a:masterClrMapping/>
-  </p:clrMapOvr>
-</p:sld>
-</file>
-
-<file path=ppt/slides/slide8.xml><?xml version="1.0" encoding="utf-8"?>
-<p:sld xmlns:a="http://schemas.openxmlformats.org/drawingml/2006/main" xmlns:r="http://schemas.openxmlformats.org/officeDocument/2006/relationships" xmlns:p="http://schemas.openxmlformats.org/presentationml/2006/main">
-  <p:cSld>
-    <p:spTree>
-      <p:nvGrpSpPr>
-        <p:cNvPr id="1" name=""/>
-        <p:cNvGrpSpPr/>
-        <p:nvPr/>
-      </p:nvGrpSpPr>
-      <p:grpSpPr>
-        <a:xfrm>
-          <a:off x="0" y="0"/>
-          <a:ext cx="0" cy="0"/>
-          <a:chOff x="0" y="0"/>
-          <a:chExt cx="0" cy="0"/>
-        </a:xfrm>
-      </p:grpSpPr>
-      <p:pic>
-        <p:nvPicPr>
-          <p:cNvPr id="6" name="Picture 5">
-            <a:extLst>
-              <a:ext uri="{FF2B5EF4-FFF2-40B4-BE49-F238E27FC236}">
-                <a16:creationId xmlns:a16="http://schemas.microsoft.com/office/drawing/2014/main" id="{9E620A0A-A116-5846-90E8-DABD8A61CCCF}"/>
-              </a:ext>
-            </a:extLst>
-          </p:cNvPr>
-          <p:cNvPicPr>
-            <a:picLocks noChangeAspect="1"/>
-          </p:cNvPicPr>
-          <p:nvPr/>
-        </p:nvPicPr>
-        <p:blipFill>
-          <a:blip r:embed="rId2">
-            <a:duotone>
-              <a:schemeClr val="bg2">
-                <a:shade val="45000"/>
-                <a:satMod val="135000"/>
-              </a:schemeClr>
-              <a:prstClr val="white"/>
-            </a:duotone>
-            <a:alphaModFix amt="20000"/>
-          </a:blip>
-          <a:stretch>
-            <a:fillRect/>
-          </a:stretch>
-        </p:blipFill>
-        <p:spPr>
-          <a:xfrm>
-            <a:off x="3140404" y="868203"/>
-            <a:ext cx="6177680" cy="6177680"/>
-          </a:xfrm>
-          <a:prstGeom prst="rect">
-            <a:avLst/>
-          </a:prstGeom>
-        </p:spPr>
-      </p:pic>
-      <p:sp>
-        <p:nvSpPr>
-          <p:cNvPr id="4" name="Title 3">
-            <a:extLst>
-              <a:ext uri="{FF2B5EF4-FFF2-40B4-BE49-F238E27FC236}">
-                <a16:creationId xmlns:a16="http://schemas.microsoft.com/office/drawing/2014/main" id="{4B0D3932-0486-6143-B852-C628D46A0657}"/>
-              </a:ext>
-            </a:extLst>
-          </p:cNvPr>
-          <p:cNvSpPr>
-            <a:spLocks noGrp="1"/>
-          </p:cNvSpPr>
-          <p:nvPr>
-            <p:ph type="title"/>
-          </p:nvPr>
-        </p:nvSpPr>
-        <p:spPr/>
-        <p:txBody>
-          <a:bodyPr/>
-          <a:lstStyle/>
-          <a:p>
-            <a:r>
-              <a:rPr lang="en-US" dirty="0"/>
-              <a:t>Traditional Criteria</a:t>
-            </a:r>
-          </a:p>
-        </p:txBody>
-      </p:sp>
-      <p:sp>
-        <p:nvSpPr>
-          <p:cNvPr id="5" name="Content Placeholder 4">
-            <a:extLst>
-              <a:ext uri="{FF2B5EF4-FFF2-40B4-BE49-F238E27FC236}">
-                <a16:creationId xmlns:a16="http://schemas.microsoft.com/office/drawing/2014/main" id="{2E1351D1-5449-464D-B0A4-7A39381642C8}"/>
-              </a:ext>
-            </a:extLst>
-          </p:cNvPr>
-          <p:cNvSpPr>
-            <a:spLocks noGrp="1"/>
-          </p:cNvSpPr>
-          <p:nvPr>
-            <p:ph idx="1"/>
-          </p:nvPr>
-        </p:nvSpPr>
-        <p:spPr/>
-        <p:txBody>
-          <a:bodyPr>
-            <a:normAutofit fontScale="92500" lnSpcReduction="10000"/>
-          </a:bodyPr>
-          <a:lstStyle/>
-          <a:p>
-            <a:pPr marL="0" indent="0">
-              <a:buNone/>
-            </a:pPr>
-            <a:r>
-              <a:rPr lang="en-US" b="1" cap="small" dirty="0"/>
-              <a:t>Lowest Order </a:t>
-            </a:r>
-            <a:r>
-              <a:rPr lang="en-US" dirty="0"/>
-              <a:t>(unlikely to be mandatory)</a:t>
-            </a:r>
-          </a:p>
-          <a:p>
-            <a:r>
-              <a:rPr lang="en-US" b="1" dirty="0"/>
-              <a:t>Incumbent Pairings </a:t>
-            </a:r>
-            <a:r>
-              <a:rPr lang="en-US" dirty="0"/>
-              <a:t>- to the greatest extent feasible, incumbent homes should remain in a district with the same number</a:t>
-            </a:r>
-          </a:p>
-          <a:p>
-            <a:r>
-              <a:rPr lang="en-US" b="1" dirty="0"/>
-              <a:t>Competitiveness</a:t>
-            </a:r>
-            <a:r>
-              <a:rPr lang="en-US" dirty="0"/>
-              <a:t> - creation of competitive districts where there is no significant detriment to other goals (Ariz.)</a:t>
-            </a:r>
-          </a:p>
-          <a:p>
-            <a:r>
-              <a:rPr lang="en-US" b="1" dirty="0"/>
-              <a:t>Prohibiting Partisan data </a:t>
-            </a:r>
-            <a:r>
-              <a:rPr lang="en-US" dirty="0"/>
-              <a:t>- No apportionment plan or individual district shall be drawn with the intent to favor or disfavor a political party or an incumbent (FLA. CONST. art. III, § 20(a))</a:t>
-            </a:r>
-          </a:p>
-          <a:p>
-            <a:endParaRPr lang="en-US" dirty="0"/>
-          </a:p>
-          <a:p>
-            <a:endParaRPr lang="en-US" b="1" dirty="0"/>
-          </a:p>
-          <a:p>
-            <a:endParaRPr lang="en-US" b="1" dirty="0"/>
-          </a:p>
-        </p:txBody>
-      </p:sp>
-      <p:pic>
-        <p:nvPicPr>
-          <p:cNvPr id="7" name="Picture 6">
-            <a:extLst>
-              <a:ext uri="{FF2B5EF4-FFF2-40B4-BE49-F238E27FC236}">
-                <a16:creationId xmlns:a16="http://schemas.microsoft.com/office/drawing/2014/main" id="{7151CB1B-D838-2E49-925C-33D23B2A81B2}"/>
-              </a:ext>
-            </a:extLst>
-          </p:cNvPr>
-          <p:cNvPicPr>
-            <a:picLocks noChangeAspect="1"/>
-          </p:cNvPicPr>
-          <p:nvPr/>
-        </p:nvPicPr>
-        <p:blipFill>
-          <a:blip r:embed="rId3">
-            <a:alphaModFix/>
-          </a:blip>
-          <a:stretch>
-            <a:fillRect/>
-          </a:stretch>
-        </p:blipFill>
-        <p:spPr>
-          <a:xfrm>
-            <a:off x="6469780" y="236706"/>
-            <a:ext cx="2438400" cy="1041400"/>
-          </a:xfrm>
-          <a:prstGeom prst="rect">
-            <a:avLst/>
-          </a:prstGeom>
-        </p:spPr>
-      </p:pic>
-    </p:spTree>
-    <p:extLst>
-      <p:ext uri="{BB962C8B-B14F-4D97-AF65-F5344CB8AC3E}">
-        <p14:creationId xmlns:p14="http://schemas.microsoft.com/office/powerpoint/2010/main" val="3501518656"/>
       </p:ext>
     </p:extLst>
   </p:cSld>
@@ -15923,7 +16157,7 @@
         <p:spPr/>
         <p:txBody>
           <a:bodyPr>
-            <a:normAutofit/>
+            <a:normAutofit fontScale="92500" lnSpcReduction="10000"/>
           </a:bodyPr>
           <a:lstStyle/>
           <a:p>
@@ -15942,23 +16176,35 @@
           <a:p>
             <a:r>
               <a:rPr lang="en-US" b="1" dirty="0"/>
-              <a:t>Preserve Communities of Interest </a:t>
+              <a:t>Incumbent Pairings </a:t>
             </a:r>
             <a:r>
               <a:rPr lang="en-US" dirty="0"/>
-              <a:t>– Communities of interest (however they are defined) should remain in one entire district, when applicable</a:t>
+              <a:t>- to the greatest extent feasible, incumbent homes should remain in a district with the same number</a:t>
             </a:r>
           </a:p>
           <a:p>
             <a:r>
               <a:rPr lang="en-US" b="1" dirty="0"/>
-              <a:t>Proportionality/Symmetry</a:t>
+              <a:t>Competitiveness</a:t>
             </a:r>
             <a:r>
               <a:rPr lang="en-US" dirty="0"/>
-              <a:t> - Districts must be drawn in ways that seek to achieve either particular outcomes or political opportunities</a:t>
-            </a:r>
-            <a:endParaRPr lang="en-US" b="1" dirty="0"/>
+              <a:t> - creation of competitive districts where there is no significant detriment to other goals (Ariz.)</a:t>
+            </a:r>
+          </a:p>
+          <a:p>
+            <a:r>
+              <a:rPr lang="en-US" b="1" dirty="0"/>
+              <a:t>Prohibiting Partisan data </a:t>
+            </a:r>
+            <a:r>
+              <a:rPr lang="en-US" dirty="0"/>
+              <a:t>- No apportionment plan or individual district shall be drawn with the intent to favor or disfavor a political party or an incumbent (FLA. CONST. art. III, § 20(a))</a:t>
+            </a:r>
+          </a:p>
+          <a:p>
+            <a:endParaRPr lang="en-US" dirty="0"/>
           </a:p>
           <a:p>
             <a:endParaRPr lang="en-US" b="1" dirty="0"/>
@@ -16003,7 +16249,7 @@
     </p:spTree>
     <p:extLst>
       <p:ext uri="{BB962C8B-B14F-4D97-AF65-F5344CB8AC3E}">
-        <p14:creationId xmlns:p14="http://schemas.microsoft.com/office/powerpoint/2010/main" val="3846183830"/>
+        <p14:creationId xmlns:p14="http://schemas.microsoft.com/office/powerpoint/2010/main" val="3501518656"/>
       </p:ext>
     </p:extLst>
   </p:cSld>
